--- a/src/figures/inner_node.pptx
+++ b/src/figures/inner_node.pptx
@@ -197,7 +197,7 @@
           <a:p>
             <a:fld id="{C1C90ABE-C08A-444A-9B97-50985CA7357E}" type="datetimeFigureOut">
               <a:rPr kumimoji="1" lang="ja-JP" altLang="en-US" smtClean="0"/>
-              <a:t>2024/7/29</a:t>
+              <a:t>2024/8/1</a:t>
             </a:fld>
             <a:endParaRPr kumimoji="1" lang="ja-JP" altLang="en-US"/>
           </a:p>
@@ -2037,8 +2037,8 @@
           <a:chExt cx="0" cy="0"/>
         </a:xfrm>
       </p:grpSpPr>
-      <mc:AlternateContent xmlns:mc="http://schemas.openxmlformats.org/markup-compatibility/2006">
-        <mc:Choice xmlns:a14="http://schemas.microsoft.com/office/drawing/2010/main" Requires="a14">
+      <mc:AlternateContent xmlns:mc="http://schemas.openxmlformats.org/markup-compatibility/2006" xmlns:a14="http://schemas.microsoft.com/office/drawing/2010/main">
+        <mc:Choice Requires="a14">
           <p:graphicFrame>
             <p:nvGraphicFramePr>
               <p:cNvPr id="60" name="表 49">
@@ -2903,7 +2903,7 @@
             </a:graphic>
           </p:graphicFrame>
         </mc:Choice>
-        <mc:Fallback>
+        <mc:Fallback xmlns="">
           <p:graphicFrame>
             <p:nvGraphicFramePr>
               <p:cNvPr id="60" name="表 49">
@@ -3705,7 +3705,7 @@
               <p:nvPr>
                 <p:extLst>
                   <p:ext uri="{D42A27DB-BD31-4B8C-83A1-F6EECF244321}">
-                    <p14:modId xmlns:p14="http://schemas.microsoft.com/office/powerpoint/2010/main" val="1102182875"/>
+                    <p14:modId xmlns:p14="http://schemas.microsoft.com/office/powerpoint/2010/main" val="3850064583"/>
                   </p:ext>
                 </p:extLst>
               </p:nvPr>
@@ -3946,6 +3946,168 @@
                         <a:lstStyle/>
                         <a:p>
                           <a:pPr marL="0" marR="0" lvl="0" indent="0" algn="ctr" defTabSz="191934" rtl="0" eaLnBrk="1" fontAlgn="auto" latinLnBrk="0" hangingPunct="1">
+                            <a:lnSpc>
+                              <a:spcPct val="100000"/>
+                            </a:lnSpc>
+                            <a:spcBef>
+                              <a:spcPts val="0"/>
+                            </a:spcBef>
+                            <a:spcAft>
+                              <a:spcPts val="0"/>
+                            </a:spcAft>
+                            <a:buClrTx/>
+                            <a:buSzTx/>
+                            <a:buFontTx/>
+                            <a:buNone/>
+                            <a:tabLst/>
+                            <a:defRPr/>
+                          </a:pPr>
+                          <a:r>
+                            <a:rPr kumimoji="1" lang="en-US" altLang="ja-JP" sz="800" dirty="0">
+                              <a:latin typeface="Cambria Math" panose="02040503050406030204" pitchFamily="18" charset="0"/>
+                            </a:rPr>
+                            <a:t>Free space</a:t>
+                          </a:r>
+                          <a:endParaRPr kumimoji="1" lang="ja-JP" altLang="en-US" sz="800" dirty="0">
+                            <a:latin typeface="Cambria Math" panose="02040503050406030204" pitchFamily="18" charset="0"/>
+                          </a:endParaRPr>
+                        </a:p>
+                      </a:txBody>
+                      <a:tcPr marL="18226" marR="18226" marT="9113" marB="9113" anchor="ctr">
+                        <a:lnL w="12700" cap="flat" cmpd="sng" algn="ctr">
+                          <a:solidFill>
+                            <a:schemeClr val="tx1"/>
+                          </a:solidFill>
+                          <a:prstDash val="solid"/>
+                          <a:round/>
+                          <a:headEnd type="none" w="med" len="med"/>
+                          <a:tailEnd type="none" w="med" len="med"/>
+                        </a:lnL>
+                        <a:lnR w="12700" cap="flat" cmpd="sng" algn="ctr">
+                          <a:solidFill>
+                            <a:schemeClr val="tx1"/>
+                          </a:solidFill>
+                          <a:prstDash val="solid"/>
+                          <a:round/>
+                          <a:headEnd type="none" w="med" len="med"/>
+                          <a:tailEnd type="none" w="med" len="med"/>
+                        </a:lnR>
+                        <a:lnT w="9525" cap="flat" cmpd="sng" algn="ctr">
+                          <a:solidFill>
+                            <a:schemeClr val="tx1"/>
+                          </a:solidFill>
+                          <a:prstDash val="solid"/>
+                          <a:round/>
+                          <a:headEnd type="none" w="med" len="med"/>
+                          <a:tailEnd type="none" w="med" len="med"/>
+                        </a:lnT>
+                        <a:lnB w="9525" cap="flat" cmpd="sng" algn="ctr">
+                          <a:solidFill>
+                            <a:schemeClr val="tx1"/>
+                          </a:solidFill>
+                          <a:prstDash val="sysDot"/>
+                          <a:round/>
+                          <a:headEnd type="none" w="med" len="med"/>
+                          <a:tailEnd type="none" w="med" len="med"/>
+                        </a:lnB>
+                        <a:solidFill>
+                          <a:schemeClr val="bg1"/>
+                        </a:solidFill>
+                      </a:tcPr>
+                    </a:tc>
+                    <a:extLst>
+                      <a:ext uri="{0D108BD9-81ED-4DB2-BD59-A6C34878D82A}">
+                        <a16:rowId xmlns:a16="http://schemas.microsoft.com/office/drawing/2014/main" val="380398867"/>
+                      </a:ext>
+                    </a:extLst>
+                  </a:tr>
+                  <a:tr h="150873">
+                    <a:tc>
+                      <a:txBody>
+                        <a:bodyPr/>
+                        <a:lstStyle/>
+                        <a:p>
+                          <a:pPr marL="0" marR="0" lvl="0" indent="0" algn="ctr" defTabSz="191934" rtl="0" eaLnBrk="1" fontAlgn="auto" latinLnBrk="0" hangingPunct="1">
+                            <a:lnSpc>
+                              <a:spcPct val="100000"/>
+                            </a:lnSpc>
+                            <a:spcBef>
+                              <a:spcPts val="0"/>
+                            </a:spcBef>
+                            <a:spcAft>
+                              <a:spcPts val="0"/>
+                            </a:spcAft>
+                            <a:buClrTx/>
+                            <a:buSzTx/>
+                            <a:buFontTx/>
+                            <a:buNone/>
+                            <a:tabLst/>
+                            <a:defRPr/>
+                          </a:pPr>
+                          <a:r>
+                            <a:rPr kumimoji="1" lang="en-US" altLang="ja-JP" sz="800" dirty="0">
+                              <a:latin typeface="Cambria Math" panose="02040503050406030204" pitchFamily="18" charset="0"/>
+                            </a:rPr>
+                            <a:t>...</a:t>
+                          </a:r>
+                          <a:endParaRPr kumimoji="1" lang="ja-JP" altLang="en-US" sz="800" dirty="0">
+                            <a:latin typeface="Cambria Math" panose="02040503050406030204" pitchFamily="18" charset="0"/>
+                          </a:endParaRPr>
+                        </a:p>
+                      </a:txBody>
+                      <a:tcPr marL="18226" marR="18226" marT="9113" marB="9113" anchor="ctr">
+                        <a:lnL w="12700" cap="flat" cmpd="sng" algn="ctr">
+                          <a:solidFill>
+                            <a:schemeClr val="tx1"/>
+                          </a:solidFill>
+                          <a:prstDash val="solid"/>
+                          <a:round/>
+                          <a:headEnd type="none" w="med" len="med"/>
+                          <a:tailEnd type="none" w="med" len="med"/>
+                        </a:lnL>
+                        <a:lnR w="12700" cap="flat" cmpd="sng" algn="ctr">
+                          <a:solidFill>
+                            <a:schemeClr val="tx1"/>
+                          </a:solidFill>
+                          <a:prstDash val="solid"/>
+                          <a:round/>
+                          <a:headEnd type="none" w="med" len="med"/>
+                          <a:tailEnd type="none" w="med" len="med"/>
+                        </a:lnR>
+                        <a:lnT w="9525" cap="flat" cmpd="sng" algn="ctr">
+                          <a:solidFill>
+                            <a:schemeClr val="tx1"/>
+                          </a:solidFill>
+                          <a:prstDash val="sysDot"/>
+                          <a:round/>
+                          <a:headEnd type="none" w="med" len="med"/>
+                          <a:tailEnd type="none" w="med" len="med"/>
+                        </a:lnT>
+                        <a:lnB w="9525" cap="flat" cmpd="sng" algn="ctr">
+                          <a:noFill/>
+                          <a:prstDash val="sysDot"/>
+                          <a:round/>
+                          <a:headEnd type="none" w="med" len="med"/>
+                          <a:tailEnd type="none" w="med" len="med"/>
+                        </a:lnB>
+                        <a:solidFill>
+                          <a:schemeClr val="bg1"/>
+                        </a:solidFill>
+                      </a:tcPr>
+                    </a:tc>
+                    <a:extLst>
+                      <a:ext uri="{0D108BD9-81ED-4DB2-BD59-A6C34878D82A}">
+                        <a16:rowId xmlns:a16="http://schemas.microsoft.com/office/drawing/2014/main" val="3448383632"/>
+                      </a:ext>
+                    </a:extLst>
+                  </a:tr>
+                  <a:tr h="150873">
+                    <a:tc>
+                      <a:txBody>
+                        <a:bodyPr/>
+                        <a:lstStyle/>
+                        <a:p>
+                          <a:pPr marL="0" marR="0" lvl="0" indent="0" algn="ctr" defTabSz="128789" rtl="0" eaLnBrk="1" fontAlgn="auto" latinLnBrk="0" hangingPunct="1">
                             <a:lnSpc>
                               <a:spcPct val="100000"/>
                             </a:lnSpc>
@@ -4018,16 +4180,425 @@
                           <a:tailEnd type="none" w="med" len="med"/>
                         </a:lnR>
                         <a:lnT w="9525" cap="flat" cmpd="sng" algn="ctr">
-                          <a:solidFill>
-                            <a:schemeClr val="tx1"/>
-                          </a:solidFill>
-                          <a:prstDash val="solid"/>
+                          <a:noFill/>
+                          <a:prstDash val="sysDot"/>
                           <a:round/>
                           <a:headEnd type="none" w="med" len="med"/>
                           <a:tailEnd type="none" w="med" len="med"/>
                         </a:lnT>
                         <a:lnB w="9525" cap="flat" cmpd="sng" algn="ctr">
+                          <a:solidFill>
+                            <a:schemeClr val="tx1"/>
+                          </a:solidFill>
+                          <a:prstDash val="solid"/>
+                          <a:round/>
+                          <a:headEnd type="none" w="med" len="med"/>
+                          <a:tailEnd type="none" w="med" len="med"/>
+                        </a:lnB>
+                        <a:solidFill>
+                          <a:schemeClr val="bg1"/>
+                        </a:solidFill>
+                      </a:tcPr>
+                    </a:tc>
+                    <a:extLst>
+                      <a:ext uri="{0D108BD9-81ED-4DB2-BD59-A6C34878D82A}">
+                        <a16:rowId xmlns:a16="http://schemas.microsoft.com/office/drawing/2014/main" val="1611505625"/>
+                      </a:ext>
+                    </a:extLst>
+                  </a:tr>
+                  <a:tr h="150873">
+                    <a:tc>
+                      <a:txBody>
+                        <a:bodyPr/>
+                        <a:lstStyle/>
+                        <a:p>
+                          <a:pPr algn="ctr"/>
+                          <a:r>
+                            <a:rPr kumimoji="1" lang="en-US" altLang="ja-JP" sz="800" dirty="0">
+                              <a:solidFill>
+                                <a:schemeClr val="tx1"/>
+                              </a:solidFill>
+                              <a:latin typeface="Cambria Math" panose="02040503050406030204" pitchFamily="18" charset="0"/>
+                            </a:rPr>
+                            <a:t>Status word</a:t>
+                          </a:r>
+                          <a:endParaRPr kumimoji="1" lang="ja-JP" altLang="en-US" sz="800" dirty="0">
+                            <a:solidFill>
+                              <a:schemeClr val="tx1"/>
+                            </a:solidFill>
+                            <a:latin typeface="Cambria Math" panose="02040503050406030204" pitchFamily="18" charset="0"/>
+                          </a:endParaRPr>
+                        </a:p>
+                      </a:txBody>
+                      <a:tcPr marL="18226" marR="18226" marT="9113" marB="9113" anchor="ctr">
+                        <a:lnL w="12700" cap="flat" cmpd="sng" algn="ctr">
+                          <a:solidFill>
+                            <a:schemeClr val="tx1"/>
+                          </a:solidFill>
+                          <a:prstDash val="solid"/>
+                          <a:round/>
+                          <a:headEnd type="none" w="med" len="med"/>
+                          <a:tailEnd type="none" w="med" len="med"/>
+                        </a:lnL>
+                        <a:lnR w="12700" cap="flat" cmpd="sng" algn="ctr">
+                          <a:solidFill>
+                            <a:schemeClr val="tx1"/>
+                          </a:solidFill>
+                          <a:prstDash val="solid"/>
+                          <a:round/>
+                          <a:headEnd type="none" w="med" len="med"/>
+                          <a:tailEnd type="none" w="med" len="med"/>
+                        </a:lnR>
+                        <a:lnT w="9525" cap="flat" cmpd="sng" algn="ctr">
+                          <a:solidFill>
+                            <a:schemeClr val="tx1"/>
+                          </a:solidFill>
+                          <a:prstDash val="solid"/>
+                          <a:round/>
+                          <a:headEnd type="none" w="med" len="med"/>
+                          <a:tailEnd type="none" w="med" len="med"/>
+                        </a:lnT>
+                        <a:lnB w="12700" cap="flat" cmpd="sng" algn="ctr">
+                          <a:solidFill>
+                            <a:schemeClr val="tx1"/>
+                          </a:solidFill>
+                          <a:prstDash val="solid"/>
+                          <a:round/>
+                          <a:headEnd type="none" w="med" len="med"/>
+                          <a:tailEnd type="none" w="med" len="med"/>
+                        </a:lnB>
+                        <a:solidFill>
+                          <a:schemeClr val="bg1"/>
+                        </a:solidFill>
+                      </a:tcPr>
+                    </a:tc>
+                    <a:extLst>
+                      <a:ext uri="{0D108BD9-81ED-4DB2-BD59-A6C34878D82A}">
+                        <a16:rowId xmlns:a16="http://schemas.microsoft.com/office/drawing/2014/main" val="1683332274"/>
+                      </a:ext>
+                    </a:extLst>
+                  </a:tr>
+                </a:tbl>
+              </a:graphicData>
+            </a:graphic>
+          </p:graphicFrame>
+        </mc:Choice>
+        <mc:Fallback>
+          <p:graphicFrame>
+            <p:nvGraphicFramePr>
+              <p:cNvPr id="2" name="表 49">
+                <a:extLst>
+                  <a:ext uri="{FF2B5EF4-FFF2-40B4-BE49-F238E27FC236}">
+                    <a16:creationId xmlns:a16="http://schemas.microsoft.com/office/drawing/2014/main" id="{9D09BEE9-5BE5-02CA-7E46-B7CF6482BE11}"/>
+                  </a:ext>
+                </a:extLst>
+              </p:cNvPr>
+              <p:cNvGraphicFramePr>
+                <a:graphicFrameLocks noGrp="1"/>
+              </p:cNvGraphicFramePr>
+              <p:nvPr>
+                <p:extLst>
+                  <p:ext uri="{D42A27DB-BD31-4B8C-83A1-F6EECF244321}">
+                    <p14:modId xmlns:p14="http://schemas.microsoft.com/office/powerpoint/2010/main" val="3850064583"/>
+                  </p:ext>
+                </p:extLst>
+              </p:nvPr>
+            </p:nvGraphicFramePr>
+            <p:xfrm>
+              <a:off x="1459573" y="461750"/>
+              <a:ext cx="683505" cy="1056111"/>
+            </p:xfrm>
+            <a:graphic>
+              <a:graphicData uri="http://schemas.openxmlformats.org/drawingml/2006/table">
+                <a:tbl>
+                  <a:tblPr firstRow="1" bandRow="1">
+                    <a:tableStyleId>{2D5ABB26-0587-4C30-8999-92F81FD0307C}</a:tableStyleId>
+                  </a:tblPr>
+                  <a:tblGrid>
+                    <a:gridCol w="683505">
+                      <a:extLst>
+                        <a:ext uri="{9D8B030D-6E8A-4147-A177-3AD203B41FA5}">
+                          <a16:colId xmlns:a16="http://schemas.microsoft.com/office/drawing/2014/main" val="1391329631"/>
+                        </a:ext>
+                      </a:extLst>
+                    </a:gridCol>
+                  </a:tblGrid>
+                  <a:tr h="150873">
+                    <a:tc>
+                      <a:txBody>
+                        <a:bodyPr/>
+                        <a:lstStyle/>
+                        <a:p>
+                          <a:pPr algn="ctr"/>
+                          <a:r>
+                            <a:rPr kumimoji="1" lang="en-US" altLang="ja-JP" sz="800" dirty="0">
+                              <a:latin typeface="Cambria Math" panose="02040503050406030204" pitchFamily="18" charset="0"/>
+                            </a:rPr>
+                            <a:t>Header</a:t>
+                          </a:r>
+                          <a:endParaRPr kumimoji="1" lang="ja-JP" altLang="en-US" sz="800" dirty="0">
+                            <a:latin typeface="Cambria Math" panose="02040503050406030204" pitchFamily="18" charset="0"/>
+                          </a:endParaRPr>
+                        </a:p>
+                      </a:txBody>
+                      <a:tcPr marL="18226" marR="18226" marT="9113" marB="9113" anchor="ctr">
+                        <a:lnL w="12700" cap="flat" cmpd="sng" algn="ctr">
+                          <a:solidFill>
+                            <a:schemeClr val="tx1"/>
+                          </a:solidFill>
+                          <a:prstDash val="solid"/>
+                          <a:round/>
+                          <a:headEnd type="none" w="med" len="med"/>
+                          <a:tailEnd type="none" w="med" len="med"/>
+                        </a:lnL>
+                        <a:lnR w="12700" cap="flat" cmpd="sng" algn="ctr">
+                          <a:solidFill>
+                            <a:schemeClr val="tx1"/>
+                          </a:solidFill>
+                          <a:prstDash val="solid"/>
+                          <a:round/>
+                          <a:headEnd type="none" w="med" len="med"/>
+                          <a:tailEnd type="none" w="med" len="med"/>
+                        </a:lnR>
+                        <a:lnT w="12700" cap="flat" cmpd="sng" algn="ctr">
+                          <a:solidFill>
+                            <a:schemeClr val="tx1"/>
+                          </a:solidFill>
+                          <a:prstDash val="solid"/>
+                          <a:round/>
+                          <a:headEnd type="none" w="med" len="med"/>
+                          <a:tailEnd type="none" w="med" len="med"/>
+                        </a:lnT>
+                        <a:lnB w="9525" cap="flat" cmpd="sng" algn="ctr">
+                          <a:solidFill>
+                            <a:schemeClr val="tx1"/>
+                          </a:solidFill>
+                          <a:prstDash val="solid"/>
+                          <a:round/>
+                          <a:headEnd type="none" w="med" len="med"/>
+                          <a:tailEnd type="none" w="med" len="med"/>
+                        </a:lnB>
+                        <a:solidFill>
+                          <a:schemeClr val="bg1"/>
+                        </a:solidFill>
+                      </a:tcPr>
+                    </a:tc>
+                    <a:extLst>
+                      <a:ext uri="{0D108BD9-81ED-4DB2-BD59-A6C34878D82A}">
+                        <a16:rowId xmlns:a16="http://schemas.microsoft.com/office/drawing/2014/main" val="3783925622"/>
+                      </a:ext>
+                    </a:extLst>
+                  </a:tr>
+                  <a:tr h="150873">
+                    <a:tc>
+                      <a:txBody>
+                        <a:bodyPr/>
+                        <a:lstStyle/>
+                        <a:p>
+                          <a:pPr algn="ctr"/>
+                          <a:r>
+                            <a:rPr kumimoji="1" lang="en-US" altLang="ja-JP" sz="800" dirty="0">
+                              <a:latin typeface="Cambria Math" panose="02040503050406030204" pitchFamily="18" charset="0"/>
+                            </a:rPr>
+                            <a:t>Record</a:t>
+                          </a:r>
+                          <a:endParaRPr kumimoji="1" lang="ja-JP" altLang="en-US" sz="800" dirty="0">
+                            <a:latin typeface="Cambria Math" panose="02040503050406030204" pitchFamily="18" charset="0"/>
+                          </a:endParaRPr>
+                        </a:p>
+                      </a:txBody>
+                      <a:tcPr marL="18226" marR="18226" marT="9113" marB="9113" anchor="ctr">
+                        <a:lnL w="12700" cap="flat" cmpd="sng" algn="ctr">
+                          <a:solidFill>
+                            <a:schemeClr val="tx1"/>
+                          </a:solidFill>
+                          <a:prstDash val="solid"/>
+                          <a:round/>
+                          <a:headEnd type="none" w="med" len="med"/>
+                          <a:tailEnd type="none" w="med" len="med"/>
+                        </a:lnL>
+                        <a:lnR w="12700" cap="flat" cmpd="sng" algn="ctr">
+                          <a:solidFill>
+                            <a:schemeClr val="tx1"/>
+                          </a:solidFill>
+                          <a:prstDash val="solid"/>
+                          <a:round/>
+                          <a:headEnd type="none" w="med" len="med"/>
+                          <a:tailEnd type="none" w="med" len="med"/>
+                        </a:lnR>
+                        <a:lnT w="9525" cap="flat" cmpd="sng" algn="ctr">
+                          <a:solidFill>
+                            <a:schemeClr val="tx1"/>
+                          </a:solidFill>
+                          <a:prstDash val="solid"/>
+                          <a:round/>
+                          <a:headEnd type="none" w="med" len="med"/>
+                          <a:tailEnd type="none" w="med" len="med"/>
+                        </a:lnT>
+                        <a:lnB w="12700" cap="flat" cmpd="sng" algn="ctr">
                           <a:noFill/>
+                          <a:prstDash val="solid"/>
+                          <a:round/>
+                          <a:headEnd type="none" w="med" len="med"/>
+                          <a:tailEnd type="none" w="med" len="med"/>
+                        </a:lnB>
+                        <a:solidFill>
+                          <a:schemeClr val="bg1"/>
+                        </a:solidFill>
+                      </a:tcPr>
+                    </a:tc>
+                    <a:extLst>
+                      <a:ext uri="{0D108BD9-81ED-4DB2-BD59-A6C34878D82A}">
+                        <a16:rowId xmlns:a16="http://schemas.microsoft.com/office/drawing/2014/main" val="4212267831"/>
+                      </a:ext>
+                    </a:extLst>
+                  </a:tr>
+                  <a:tr h="150873">
+                    <a:tc>
+                      <a:txBody>
+                        <a:bodyPr/>
+                        <a:lstStyle/>
+                        <a:p>
+                          <a:pPr marL="0" marR="0" lvl="0" indent="0" algn="ctr" defTabSz="128789" rtl="0" eaLnBrk="1" fontAlgn="auto" latinLnBrk="0" hangingPunct="1">
+                            <a:lnSpc>
+                              <a:spcPct val="100000"/>
+                            </a:lnSpc>
+                            <a:spcBef>
+                              <a:spcPts val="0"/>
+                            </a:spcBef>
+                            <a:spcAft>
+                              <a:spcPts val="0"/>
+                            </a:spcAft>
+                            <a:buClrTx/>
+                            <a:buSzTx/>
+                            <a:buFontTx/>
+                            <a:buNone/>
+                            <a:tabLst/>
+                            <a:defRPr/>
+                          </a:pPr>
+                          <a:r>
+                            <a:rPr kumimoji="1" lang="en-US" altLang="ja-JP" sz="800" dirty="0">
+                              <a:latin typeface="Cambria Math" panose="02040503050406030204" pitchFamily="18" charset="0"/>
+                            </a:rPr>
+                            <a:t>...</a:t>
+                          </a:r>
+                          <a:endParaRPr kumimoji="1" lang="ja-JP" altLang="en-US" sz="800" dirty="0">
+                            <a:latin typeface="Cambria Math" panose="02040503050406030204" pitchFamily="18" charset="0"/>
+                          </a:endParaRPr>
+                        </a:p>
+                      </a:txBody>
+                      <a:tcPr marL="18226" marR="18226" marT="9113" marB="9113" anchor="ctr">
+                        <a:lnL w="12700" cap="flat" cmpd="sng" algn="ctr">
+                          <a:solidFill>
+                            <a:schemeClr val="tx1"/>
+                          </a:solidFill>
+                          <a:prstDash val="solid"/>
+                          <a:round/>
+                          <a:headEnd type="none" w="med" len="med"/>
+                          <a:tailEnd type="none" w="med" len="med"/>
+                        </a:lnL>
+                        <a:lnR w="12700" cap="flat" cmpd="sng" algn="ctr">
+                          <a:solidFill>
+                            <a:schemeClr val="tx1"/>
+                          </a:solidFill>
+                          <a:prstDash val="solid"/>
+                          <a:round/>
+                          <a:headEnd type="none" w="med" len="med"/>
+                          <a:tailEnd type="none" w="med" len="med"/>
+                        </a:lnR>
+                        <a:lnT w="12700" cap="flat" cmpd="sng" algn="ctr">
+                          <a:noFill/>
+                          <a:prstDash val="solid"/>
+                          <a:round/>
+                          <a:headEnd type="none" w="med" len="med"/>
+                          <a:tailEnd type="none" w="med" len="med"/>
+                        </a:lnT>
+                        <a:lnB w="9525" cap="flat" cmpd="sng" algn="ctr">
+                          <a:solidFill>
+                            <a:schemeClr val="tx1"/>
+                          </a:solidFill>
+                          <a:prstDash val="solid"/>
+                          <a:round/>
+                          <a:headEnd type="none" w="med" len="med"/>
+                          <a:tailEnd type="none" w="med" len="med"/>
+                        </a:lnB>
+                        <a:solidFill>
+                          <a:schemeClr val="bg1"/>
+                        </a:solidFill>
+                      </a:tcPr>
+                    </a:tc>
+                    <a:extLst>
+                      <a:ext uri="{0D108BD9-81ED-4DB2-BD59-A6C34878D82A}">
+                        <a16:rowId xmlns:a16="http://schemas.microsoft.com/office/drawing/2014/main" val="77431627"/>
+                      </a:ext>
+                    </a:extLst>
+                  </a:tr>
+                  <a:tr h="150873">
+                    <a:tc>
+                      <a:txBody>
+                        <a:bodyPr/>
+                        <a:lstStyle/>
+                        <a:p>
+                          <a:pPr marL="0" marR="0" lvl="0" indent="0" algn="ctr" defTabSz="191934" rtl="0" eaLnBrk="1" fontAlgn="auto" latinLnBrk="0" hangingPunct="1">
+                            <a:lnSpc>
+                              <a:spcPct val="100000"/>
+                            </a:lnSpc>
+                            <a:spcBef>
+                              <a:spcPts val="0"/>
+                            </a:spcBef>
+                            <a:spcAft>
+                              <a:spcPts val="0"/>
+                            </a:spcAft>
+                            <a:buClrTx/>
+                            <a:buSzTx/>
+                            <a:buFontTx/>
+                            <a:buNone/>
+                            <a:tabLst/>
+                            <a:defRPr/>
+                          </a:pPr>
+                          <a:r>
+                            <a:rPr kumimoji="1" lang="en-US" altLang="ja-JP" sz="800" dirty="0">
+                              <a:latin typeface="Cambria Math" panose="02040503050406030204" pitchFamily="18" charset="0"/>
+                            </a:rPr>
+                            <a:t>Free space</a:t>
+                          </a:r>
+                          <a:endParaRPr kumimoji="1" lang="ja-JP" altLang="en-US" sz="800" dirty="0">
+                            <a:latin typeface="Cambria Math" panose="02040503050406030204" pitchFamily="18" charset="0"/>
+                          </a:endParaRPr>
+                        </a:p>
+                      </a:txBody>
+                      <a:tcPr marL="18226" marR="18226" marT="9113" marB="9113" anchor="ctr">
+                        <a:lnL w="12700" cap="flat" cmpd="sng" algn="ctr">
+                          <a:solidFill>
+                            <a:schemeClr val="tx1"/>
+                          </a:solidFill>
+                          <a:prstDash val="solid"/>
+                          <a:round/>
+                          <a:headEnd type="none" w="med" len="med"/>
+                          <a:tailEnd type="none" w="med" len="med"/>
+                        </a:lnL>
+                        <a:lnR w="12700" cap="flat" cmpd="sng" algn="ctr">
+                          <a:solidFill>
+                            <a:schemeClr val="tx1"/>
+                          </a:solidFill>
+                          <a:prstDash val="solid"/>
+                          <a:round/>
+                          <a:headEnd type="none" w="med" len="med"/>
+                          <a:tailEnd type="none" w="med" len="med"/>
+                        </a:lnR>
+                        <a:lnT w="9525" cap="flat" cmpd="sng" algn="ctr">
+                          <a:solidFill>
+                            <a:schemeClr val="tx1"/>
+                          </a:solidFill>
+                          <a:prstDash val="solid"/>
+                          <a:round/>
+                          <a:headEnd type="none" w="med" len="med"/>
+                          <a:tailEnd type="none" w="med" len="med"/>
+                        </a:lnT>
+                        <a:lnB w="9525" cap="flat" cmpd="sng" algn="ctr">
+                          <a:solidFill>
+                            <a:schemeClr val="tx1"/>
+                          </a:solidFill>
                           <a:prstDash val="sysDot"/>
                           <a:round/>
                           <a:headEnd type="none" w="med" len="med"/>
@@ -4098,16 +4669,16 @@
                           <a:tailEnd type="none" w="med" len="med"/>
                         </a:lnR>
                         <a:lnT w="9525" cap="flat" cmpd="sng" algn="ctr">
-                          <a:noFill/>
+                          <a:solidFill>
+                            <a:schemeClr val="tx1"/>
+                          </a:solidFill>
                           <a:prstDash val="sysDot"/>
                           <a:round/>
                           <a:headEnd type="none" w="med" len="med"/>
                           <a:tailEnd type="none" w="med" len="med"/>
                         </a:lnT>
                         <a:lnB w="9525" cap="flat" cmpd="sng" algn="ctr">
-                          <a:solidFill>
-                            <a:schemeClr val="tx1"/>
-                          </a:solidFill>
+                          <a:noFill/>
                           <a:prstDash val="sysDot"/>
                           <a:round/>
                           <a:headEnd type="none" w="med" len="med"/>
@@ -4130,16 +4701,7 @@
                         <a:bodyPr/>
                         <a:lstStyle/>
                         <a:p>
-                          <a:pPr algn="ctr"/>
-                          <a:r>
-                            <a:rPr kumimoji="1" lang="en-US" altLang="ja-JP" sz="800" dirty="0">
-                              <a:latin typeface="Cambria Math" panose="02040503050406030204" pitchFamily="18" charset="0"/>
-                            </a:rPr>
-                            <a:t>Free space</a:t>
-                          </a:r>
-                          <a:endParaRPr kumimoji="1" lang="ja-JP" altLang="en-US" sz="800" dirty="0">
-                            <a:latin typeface="Cambria Math" panose="02040503050406030204" pitchFamily="18" charset="0"/>
-                          </a:endParaRPr>
+                          <a:endParaRPr lang="ja-JP"/>
                         </a:p>
                       </a:txBody>
                       <a:tcPr marL="18226" marR="18226" marT="9113" marB="9113" anchor="ctr">
@@ -4162,9 +4724,7 @@
                           <a:tailEnd type="none" w="med" len="med"/>
                         </a:lnR>
                         <a:lnT w="9525" cap="flat" cmpd="sng" algn="ctr">
-                          <a:solidFill>
-                            <a:schemeClr val="tx1"/>
-                          </a:solidFill>
+                          <a:noFill/>
                           <a:prstDash val="sysDot"/>
                           <a:round/>
                           <a:headEnd type="none" w="med" len="med"/>
@@ -4179,9 +4739,12 @@
                           <a:headEnd type="none" w="med" len="med"/>
                           <a:tailEnd type="none" w="med" len="med"/>
                         </a:lnB>
-                        <a:solidFill>
-                          <a:schemeClr val="bg1"/>
-                        </a:solidFill>
+                        <a:blipFill>
+                          <a:blip r:embed="rId4"/>
+                          <a:stretch>
+                            <a:fillRect l="-885" t="-504000" r="-1770" b="-132000"/>
+                          </a:stretch>
+                        </a:blipFill>
                       </a:tcPr>
                     </a:tc>
                     <a:extLst>
@@ -4266,541 +4829,10 @@
               </a:graphicData>
             </a:graphic>
           </p:graphicFrame>
-        </mc:Choice>
-        <mc:Fallback>
-          <p:graphicFrame>
-            <p:nvGraphicFramePr>
-              <p:cNvPr id="2" name="表 49">
-                <a:extLst>
-                  <a:ext uri="{FF2B5EF4-FFF2-40B4-BE49-F238E27FC236}">
-                    <a16:creationId xmlns:a16="http://schemas.microsoft.com/office/drawing/2014/main" id="{9D09BEE9-5BE5-02CA-7E46-B7CF6482BE11}"/>
-                  </a:ext>
-                </a:extLst>
-              </p:cNvPr>
-              <p:cNvGraphicFramePr>
-                <a:graphicFrameLocks noGrp="1"/>
-              </p:cNvGraphicFramePr>
-              <p:nvPr>
-                <p:extLst>
-                  <p:ext uri="{D42A27DB-BD31-4B8C-83A1-F6EECF244321}">
-                    <p14:modId xmlns:p14="http://schemas.microsoft.com/office/powerpoint/2010/main" val="1102182875"/>
-                  </p:ext>
-                </p:extLst>
-              </p:nvPr>
-            </p:nvGraphicFramePr>
-            <p:xfrm>
-              <a:off x="1459573" y="461750"/>
-              <a:ext cx="683505" cy="1056111"/>
-            </p:xfrm>
-            <a:graphic>
-              <a:graphicData uri="http://schemas.openxmlformats.org/drawingml/2006/table">
-                <a:tbl>
-                  <a:tblPr firstRow="1" bandRow="1">
-                    <a:tableStyleId>{2D5ABB26-0587-4C30-8999-92F81FD0307C}</a:tableStyleId>
-                  </a:tblPr>
-                  <a:tblGrid>
-                    <a:gridCol w="683505">
-                      <a:extLst>
-                        <a:ext uri="{9D8B030D-6E8A-4147-A177-3AD203B41FA5}">
-                          <a16:colId xmlns:a16="http://schemas.microsoft.com/office/drawing/2014/main" val="1391329631"/>
-                        </a:ext>
-                      </a:extLst>
-                    </a:gridCol>
-                  </a:tblGrid>
-                  <a:tr h="150873">
-                    <a:tc>
-                      <a:txBody>
-                        <a:bodyPr/>
-                        <a:lstStyle/>
-                        <a:p>
-                          <a:pPr algn="ctr"/>
-                          <a:r>
-                            <a:rPr kumimoji="1" lang="en-US" altLang="ja-JP" sz="800" dirty="0">
-                              <a:latin typeface="Cambria Math" panose="02040503050406030204" pitchFamily="18" charset="0"/>
-                            </a:rPr>
-                            <a:t>Header</a:t>
-                          </a:r>
-                          <a:endParaRPr kumimoji="1" lang="ja-JP" altLang="en-US" sz="800" dirty="0">
-                            <a:latin typeface="Cambria Math" panose="02040503050406030204" pitchFamily="18" charset="0"/>
-                          </a:endParaRPr>
-                        </a:p>
-                      </a:txBody>
-                      <a:tcPr marL="18226" marR="18226" marT="9113" marB="9113" anchor="ctr">
-                        <a:lnL w="12700" cap="flat" cmpd="sng" algn="ctr">
-                          <a:solidFill>
-                            <a:schemeClr val="tx1"/>
-                          </a:solidFill>
-                          <a:prstDash val="solid"/>
-                          <a:round/>
-                          <a:headEnd type="none" w="med" len="med"/>
-                          <a:tailEnd type="none" w="med" len="med"/>
-                        </a:lnL>
-                        <a:lnR w="12700" cap="flat" cmpd="sng" algn="ctr">
-                          <a:solidFill>
-                            <a:schemeClr val="tx1"/>
-                          </a:solidFill>
-                          <a:prstDash val="solid"/>
-                          <a:round/>
-                          <a:headEnd type="none" w="med" len="med"/>
-                          <a:tailEnd type="none" w="med" len="med"/>
-                        </a:lnR>
-                        <a:lnT w="12700" cap="flat" cmpd="sng" algn="ctr">
-                          <a:solidFill>
-                            <a:schemeClr val="tx1"/>
-                          </a:solidFill>
-                          <a:prstDash val="solid"/>
-                          <a:round/>
-                          <a:headEnd type="none" w="med" len="med"/>
-                          <a:tailEnd type="none" w="med" len="med"/>
-                        </a:lnT>
-                        <a:lnB w="9525" cap="flat" cmpd="sng" algn="ctr">
-                          <a:solidFill>
-                            <a:schemeClr val="tx1"/>
-                          </a:solidFill>
-                          <a:prstDash val="solid"/>
-                          <a:round/>
-                          <a:headEnd type="none" w="med" len="med"/>
-                          <a:tailEnd type="none" w="med" len="med"/>
-                        </a:lnB>
-                        <a:solidFill>
-                          <a:schemeClr val="bg1"/>
-                        </a:solidFill>
-                      </a:tcPr>
-                    </a:tc>
-                    <a:extLst>
-                      <a:ext uri="{0D108BD9-81ED-4DB2-BD59-A6C34878D82A}">
-                        <a16:rowId xmlns:a16="http://schemas.microsoft.com/office/drawing/2014/main" val="3783925622"/>
-                      </a:ext>
-                    </a:extLst>
-                  </a:tr>
-                  <a:tr h="150873">
-                    <a:tc>
-                      <a:txBody>
-                        <a:bodyPr/>
-                        <a:lstStyle/>
-                        <a:p>
-                          <a:pPr algn="ctr"/>
-                          <a:r>
-                            <a:rPr kumimoji="1" lang="en-US" altLang="ja-JP" sz="800" dirty="0">
-                              <a:latin typeface="Cambria Math" panose="02040503050406030204" pitchFamily="18" charset="0"/>
-                            </a:rPr>
-                            <a:t>Record</a:t>
-                          </a:r>
-                          <a:endParaRPr kumimoji="1" lang="ja-JP" altLang="en-US" sz="800" dirty="0">
-                            <a:latin typeface="Cambria Math" panose="02040503050406030204" pitchFamily="18" charset="0"/>
-                          </a:endParaRPr>
-                        </a:p>
-                      </a:txBody>
-                      <a:tcPr marL="18226" marR="18226" marT="9113" marB="9113" anchor="ctr">
-                        <a:lnL w="12700" cap="flat" cmpd="sng" algn="ctr">
-                          <a:solidFill>
-                            <a:schemeClr val="tx1"/>
-                          </a:solidFill>
-                          <a:prstDash val="solid"/>
-                          <a:round/>
-                          <a:headEnd type="none" w="med" len="med"/>
-                          <a:tailEnd type="none" w="med" len="med"/>
-                        </a:lnL>
-                        <a:lnR w="12700" cap="flat" cmpd="sng" algn="ctr">
-                          <a:solidFill>
-                            <a:schemeClr val="tx1"/>
-                          </a:solidFill>
-                          <a:prstDash val="solid"/>
-                          <a:round/>
-                          <a:headEnd type="none" w="med" len="med"/>
-                          <a:tailEnd type="none" w="med" len="med"/>
-                        </a:lnR>
-                        <a:lnT w="9525" cap="flat" cmpd="sng" algn="ctr">
-                          <a:solidFill>
-                            <a:schemeClr val="tx1"/>
-                          </a:solidFill>
-                          <a:prstDash val="solid"/>
-                          <a:round/>
-                          <a:headEnd type="none" w="med" len="med"/>
-                          <a:tailEnd type="none" w="med" len="med"/>
-                        </a:lnT>
-                        <a:lnB w="12700" cap="flat" cmpd="sng" algn="ctr">
-                          <a:noFill/>
-                          <a:prstDash val="solid"/>
-                          <a:round/>
-                          <a:headEnd type="none" w="med" len="med"/>
-                          <a:tailEnd type="none" w="med" len="med"/>
-                        </a:lnB>
-                        <a:solidFill>
-                          <a:schemeClr val="bg1"/>
-                        </a:solidFill>
-                      </a:tcPr>
-                    </a:tc>
-                    <a:extLst>
-                      <a:ext uri="{0D108BD9-81ED-4DB2-BD59-A6C34878D82A}">
-                        <a16:rowId xmlns:a16="http://schemas.microsoft.com/office/drawing/2014/main" val="4212267831"/>
-                      </a:ext>
-                    </a:extLst>
-                  </a:tr>
-                  <a:tr h="150873">
-                    <a:tc>
-                      <a:txBody>
-                        <a:bodyPr/>
-                        <a:lstStyle/>
-                        <a:p>
-                          <a:pPr marL="0" marR="0" lvl="0" indent="0" algn="ctr" defTabSz="128789" rtl="0" eaLnBrk="1" fontAlgn="auto" latinLnBrk="0" hangingPunct="1">
-                            <a:lnSpc>
-                              <a:spcPct val="100000"/>
-                            </a:lnSpc>
-                            <a:spcBef>
-                              <a:spcPts val="0"/>
-                            </a:spcBef>
-                            <a:spcAft>
-                              <a:spcPts val="0"/>
-                            </a:spcAft>
-                            <a:buClrTx/>
-                            <a:buSzTx/>
-                            <a:buFontTx/>
-                            <a:buNone/>
-                            <a:tabLst/>
-                            <a:defRPr/>
-                          </a:pPr>
-                          <a:r>
-                            <a:rPr kumimoji="1" lang="en-US" altLang="ja-JP" sz="800" dirty="0">
-                              <a:latin typeface="Cambria Math" panose="02040503050406030204" pitchFamily="18" charset="0"/>
-                            </a:rPr>
-                            <a:t>...</a:t>
-                          </a:r>
-                          <a:endParaRPr kumimoji="1" lang="ja-JP" altLang="en-US" sz="800" dirty="0">
-                            <a:latin typeface="Cambria Math" panose="02040503050406030204" pitchFamily="18" charset="0"/>
-                          </a:endParaRPr>
-                        </a:p>
-                      </a:txBody>
-                      <a:tcPr marL="18226" marR="18226" marT="9113" marB="9113" anchor="ctr">
-                        <a:lnL w="12700" cap="flat" cmpd="sng" algn="ctr">
-                          <a:solidFill>
-                            <a:schemeClr val="tx1"/>
-                          </a:solidFill>
-                          <a:prstDash val="solid"/>
-                          <a:round/>
-                          <a:headEnd type="none" w="med" len="med"/>
-                          <a:tailEnd type="none" w="med" len="med"/>
-                        </a:lnL>
-                        <a:lnR w="12700" cap="flat" cmpd="sng" algn="ctr">
-                          <a:solidFill>
-                            <a:schemeClr val="tx1"/>
-                          </a:solidFill>
-                          <a:prstDash val="solid"/>
-                          <a:round/>
-                          <a:headEnd type="none" w="med" len="med"/>
-                          <a:tailEnd type="none" w="med" len="med"/>
-                        </a:lnR>
-                        <a:lnT w="12700" cap="flat" cmpd="sng" algn="ctr">
-                          <a:noFill/>
-                          <a:prstDash val="solid"/>
-                          <a:round/>
-                          <a:headEnd type="none" w="med" len="med"/>
-                          <a:tailEnd type="none" w="med" len="med"/>
-                        </a:lnT>
-                        <a:lnB w="9525" cap="flat" cmpd="sng" algn="ctr">
-                          <a:solidFill>
-                            <a:schemeClr val="tx1"/>
-                          </a:solidFill>
-                          <a:prstDash val="solid"/>
-                          <a:round/>
-                          <a:headEnd type="none" w="med" len="med"/>
-                          <a:tailEnd type="none" w="med" len="med"/>
-                        </a:lnB>
-                        <a:solidFill>
-                          <a:schemeClr val="bg1"/>
-                        </a:solidFill>
-                      </a:tcPr>
-                    </a:tc>
-                    <a:extLst>
-                      <a:ext uri="{0D108BD9-81ED-4DB2-BD59-A6C34878D82A}">
-                        <a16:rowId xmlns:a16="http://schemas.microsoft.com/office/drawing/2014/main" val="77431627"/>
-                      </a:ext>
-                    </a:extLst>
-                  </a:tr>
-                  <a:tr h="150873">
-                    <a:tc>
-                      <a:txBody>
-                        <a:bodyPr/>
-                        <a:lstStyle/>
-                        <a:p>
-                          <a:endParaRPr lang="ja-JP"/>
-                        </a:p>
-                      </a:txBody>
-                      <a:tcPr marL="18226" marR="18226" marT="9113" marB="9113" anchor="ctr">
-                        <a:lnL w="12700" cap="flat" cmpd="sng" algn="ctr">
-                          <a:solidFill>
-                            <a:schemeClr val="tx1"/>
-                          </a:solidFill>
-                          <a:prstDash val="solid"/>
-                          <a:round/>
-                          <a:headEnd type="none" w="med" len="med"/>
-                          <a:tailEnd type="none" w="med" len="med"/>
-                        </a:lnL>
-                        <a:lnR w="12700" cap="flat" cmpd="sng" algn="ctr">
-                          <a:solidFill>
-                            <a:schemeClr val="tx1"/>
-                          </a:solidFill>
-                          <a:prstDash val="solid"/>
-                          <a:round/>
-                          <a:headEnd type="none" w="med" len="med"/>
-                          <a:tailEnd type="none" w="med" len="med"/>
-                        </a:lnR>
-                        <a:lnT w="9525" cap="flat" cmpd="sng" algn="ctr">
-                          <a:solidFill>
-                            <a:schemeClr val="tx1"/>
-                          </a:solidFill>
-                          <a:prstDash val="solid"/>
-                          <a:round/>
-                          <a:headEnd type="none" w="med" len="med"/>
-                          <a:tailEnd type="none" w="med" len="med"/>
-                        </a:lnT>
-                        <a:lnB w="9525" cap="flat" cmpd="sng" algn="ctr">
-                          <a:noFill/>
-                          <a:prstDash val="sysDot"/>
-                          <a:round/>
-                          <a:headEnd type="none" w="med" len="med"/>
-                          <a:tailEnd type="none" w="med" len="med"/>
-                        </a:lnB>
-                        <a:blipFill>
-                          <a:blip r:embed="rId4"/>
-                          <a:stretch>
-                            <a:fillRect l="-885" t="-320833" r="-1770" b="-345833"/>
-                          </a:stretch>
-                        </a:blipFill>
-                      </a:tcPr>
-                    </a:tc>
-                    <a:extLst>
-                      <a:ext uri="{0D108BD9-81ED-4DB2-BD59-A6C34878D82A}">
-                        <a16:rowId xmlns:a16="http://schemas.microsoft.com/office/drawing/2014/main" val="380398867"/>
-                      </a:ext>
-                    </a:extLst>
-                  </a:tr>
-                  <a:tr h="150873">
-                    <a:tc>
-                      <a:txBody>
-                        <a:bodyPr/>
-                        <a:lstStyle/>
-                        <a:p>
-                          <a:pPr marL="0" marR="0" lvl="0" indent="0" algn="ctr" defTabSz="191934" rtl="0" eaLnBrk="1" fontAlgn="auto" latinLnBrk="0" hangingPunct="1">
-                            <a:lnSpc>
-                              <a:spcPct val="100000"/>
-                            </a:lnSpc>
-                            <a:spcBef>
-                              <a:spcPts val="0"/>
-                            </a:spcBef>
-                            <a:spcAft>
-                              <a:spcPts val="0"/>
-                            </a:spcAft>
-                            <a:buClrTx/>
-                            <a:buSzTx/>
-                            <a:buFontTx/>
-                            <a:buNone/>
-                            <a:tabLst/>
-                            <a:defRPr/>
-                          </a:pPr>
-                          <a:r>
-                            <a:rPr kumimoji="1" lang="en-US" altLang="ja-JP" sz="800" dirty="0">
-                              <a:latin typeface="Cambria Math" panose="02040503050406030204" pitchFamily="18" charset="0"/>
-                            </a:rPr>
-                            <a:t>...</a:t>
-                          </a:r>
-                          <a:endParaRPr kumimoji="1" lang="ja-JP" altLang="en-US" sz="800" dirty="0">
-                            <a:latin typeface="Cambria Math" panose="02040503050406030204" pitchFamily="18" charset="0"/>
-                          </a:endParaRPr>
-                        </a:p>
-                      </a:txBody>
-                      <a:tcPr marL="18226" marR="18226" marT="9113" marB="9113" anchor="ctr">
-                        <a:lnL w="12700" cap="flat" cmpd="sng" algn="ctr">
-                          <a:solidFill>
-                            <a:schemeClr val="tx1"/>
-                          </a:solidFill>
-                          <a:prstDash val="solid"/>
-                          <a:round/>
-                          <a:headEnd type="none" w="med" len="med"/>
-                          <a:tailEnd type="none" w="med" len="med"/>
-                        </a:lnL>
-                        <a:lnR w="12700" cap="flat" cmpd="sng" algn="ctr">
-                          <a:solidFill>
-                            <a:schemeClr val="tx1"/>
-                          </a:solidFill>
-                          <a:prstDash val="solid"/>
-                          <a:round/>
-                          <a:headEnd type="none" w="med" len="med"/>
-                          <a:tailEnd type="none" w="med" len="med"/>
-                        </a:lnR>
-                        <a:lnT w="9525" cap="flat" cmpd="sng" algn="ctr">
-                          <a:noFill/>
-                          <a:prstDash val="sysDot"/>
-                          <a:round/>
-                          <a:headEnd type="none" w="med" len="med"/>
-                          <a:tailEnd type="none" w="med" len="med"/>
-                        </a:lnT>
-                        <a:lnB w="9525" cap="flat" cmpd="sng" algn="ctr">
-                          <a:solidFill>
-                            <a:schemeClr val="tx1"/>
-                          </a:solidFill>
-                          <a:prstDash val="sysDot"/>
-                          <a:round/>
-                          <a:headEnd type="none" w="med" len="med"/>
-                          <a:tailEnd type="none" w="med" len="med"/>
-                        </a:lnB>
-                        <a:solidFill>
-                          <a:schemeClr val="bg1"/>
-                        </a:solidFill>
-                      </a:tcPr>
-                    </a:tc>
-                    <a:extLst>
-                      <a:ext uri="{0D108BD9-81ED-4DB2-BD59-A6C34878D82A}">
-                        <a16:rowId xmlns:a16="http://schemas.microsoft.com/office/drawing/2014/main" val="3448383632"/>
-                      </a:ext>
-                    </a:extLst>
-                  </a:tr>
-                  <a:tr h="150873">
-                    <a:tc>
-                      <a:txBody>
-                        <a:bodyPr/>
-                        <a:lstStyle/>
-                        <a:p>
-                          <a:pPr algn="ctr"/>
-                          <a:r>
-                            <a:rPr kumimoji="1" lang="en-US" altLang="ja-JP" sz="800" dirty="0">
-                              <a:latin typeface="Cambria Math" panose="02040503050406030204" pitchFamily="18" charset="0"/>
-                            </a:rPr>
-                            <a:t>Free space</a:t>
-                          </a:r>
-                          <a:endParaRPr kumimoji="1" lang="ja-JP" altLang="en-US" sz="800" dirty="0">
-                            <a:latin typeface="Cambria Math" panose="02040503050406030204" pitchFamily="18" charset="0"/>
-                          </a:endParaRPr>
-                        </a:p>
-                      </a:txBody>
-                      <a:tcPr marL="18226" marR="18226" marT="9113" marB="9113" anchor="ctr">
-                        <a:lnL w="12700" cap="flat" cmpd="sng" algn="ctr">
-                          <a:solidFill>
-                            <a:schemeClr val="tx1"/>
-                          </a:solidFill>
-                          <a:prstDash val="solid"/>
-                          <a:round/>
-                          <a:headEnd type="none" w="med" len="med"/>
-                          <a:tailEnd type="none" w="med" len="med"/>
-                        </a:lnL>
-                        <a:lnR w="12700" cap="flat" cmpd="sng" algn="ctr">
-                          <a:solidFill>
-                            <a:schemeClr val="tx1"/>
-                          </a:solidFill>
-                          <a:prstDash val="solid"/>
-                          <a:round/>
-                          <a:headEnd type="none" w="med" len="med"/>
-                          <a:tailEnd type="none" w="med" len="med"/>
-                        </a:lnR>
-                        <a:lnT w="9525" cap="flat" cmpd="sng" algn="ctr">
-                          <a:solidFill>
-                            <a:schemeClr val="tx1"/>
-                          </a:solidFill>
-                          <a:prstDash val="sysDot"/>
-                          <a:round/>
-                          <a:headEnd type="none" w="med" len="med"/>
-                          <a:tailEnd type="none" w="med" len="med"/>
-                        </a:lnT>
-                        <a:lnB w="9525" cap="flat" cmpd="sng" algn="ctr">
-                          <a:solidFill>
-                            <a:schemeClr val="tx1"/>
-                          </a:solidFill>
-                          <a:prstDash val="solid"/>
-                          <a:round/>
-                          <a:headEnd type="none" w="med" len="med"/>
-                          <a:tailEnd type="none" w="med" len="med"/>
-                        </a:lnB>
-                        <a:solidFill>
-                          <a:schemeClr val="bg1"/>
-                        </a:solidFill>
-                      </a:tcPr>
-                    </a:tc>
-                    <a:extLst>
-                      <a:ext uri="{0D108BD9-81ED-4DB2-BD59-A6C34878D82A}">
-                        <a16:rowId xmlns:a16="http://schemas.microsoft.com/office/drawing/2014/main" val="1611505625"/>
-                      </a:ext>
-                    </a:extLst>
-                  </a:tr>
-                  <a:tr h="150873">
-                    <a:tc>
-                      <a:txBody>
-                        <a:bodyPr/>
-                        <a:lstStyle/>
-                        <a:p>
-                          <a:pPr algn="ctr"/>
-                          <a:r>
-                            <a:rPr kumimoji="1" lang="en-US" altLang="ja-JP" sz="800" dirty="0">
-                              <a:solidFill>
-                                <a:schemeClr val="tx1"/>
-                              </a:solidFill>
-                              <a:latin typeface="Cambria Math" panose="02040503050406030204" pitchFamily="18" charset="0"/>
-                            </a:rPr>
-                            <a:t>Status word</a:t>
-                          </a:r>
-                          <a:endParaRPr kumimoji="1" lang="ja-JP" altLang="en-US" sz="800" dirty="0">
-                            <a:solidFill>
-                              <a:schemeClr val="tx1"/>
-                            </a:solidFill>
-                            <a:latin typeface="Cambria Math" panose="02040503050406030204" pitchFamily="18" charset="0"/>
-                          </a:endParaRPr>
-                        </a:p>
-                      </a:txBody>
-                      <a:tcPr marL="18226" marR="18226" marT="9113" marB="9113" anchor="ctr">
-                        <a:lnL w="12700" cap="flat" cmpd="sng" algn="ctr">
-                          <a:solidFill>
-                            <a:schemeClr val="tx1"/>
-                          </a:solidFill>
-                          <a:prstDash val="solid"/>
-                          <a:round/>
-                          <a:headEnd type="none" w="med" len="med"/>
-                          <a:tailEnd type="none" w="med" len="med"/>
-                        </a:lnL>
-                        <a:lnR w="12700" cap="flat" cmpd="sng" algn="ctr">
-                          <a:solidFill>
-                            <a:schemeClr val="tx1"/>
-                          </a:solidFill>
-                          <a:prstDash val="solid"/>
-                          <a:round/>
-                          <a:headEnd type="none" w="med" len="med"/>
-                          <a:tailEnd type="none" w="med" len="med"/>
-                        </a:lnR>
-                        <a:lnT w="9525" cap="flat" cmpd="sng" algn="ctr">
-                          <a:solidFill>
-                            <a:schemeClr val="tx1"/>
-                          </a:solidFill>
-                          <a:prstDash val="solid"/>
-                          <a:round/>
-                          <a:headEnd type="none" w="med" len="med"/>
-                          <a:tailEnd type="none" w="med" len="med"/>
-                        </a:lnT>
-                        <a:lnB w="12700" cap="flat" cmpd="sng" algn="ctr">
-                          <a:solidFill>
-                            <a:schemeClr val="tx1"/>
-                          </a:solidFill>
-                          <a:prstDash val="solid"/>
-                          <a:round/>
-                          <a:headEnd type="none" w="med" len="med"/>
-                          <a:tailEnd type="none" w="med" len="med"/>
-                        </a:lnB>
-                        <a:solidFill>
-                          <a:schemeClr val="bg1"/>
-                        </a:solidFill>
-                      </a:tcPr>
-                    </a:tc>
-                    <a:extLst>
-                      <a:ext uri="{0D108BD9-81ED-4DB2-BD59-A6C34878D82A}">
-                        <a16:rowId xmlns:a16="http://schemas.microsoft.com/office/drawing/2014/main" val="1683332274"/>
-                      </a:ext>
-                    </a:extLst>
-                  </a:tr>
-                </a:tbl>
-              </a:graphicData>
-            </a:graphic>
-          </p:graphicFrame>
         </mc:Fallback>
       </mc:AlternateContent>
-      <mc:AlternateContent xmlns:mc="http://schemas.openxmlformats.org/markup-compatibility/2006">
-        <mc:Choice xmlns:a14="http://schemas.microsoft.com/office/drawing/2010/main" Requires="a14">
+      <mc:AlternateContent xmlns:mc="http://schemas.openxmlformats.org/markup-compatibility/2006" xmlns:a14="http://schemas.microsoft.com/office/drawing/2010/main">
+        <mc:Choice Requires="a14">
           <p:sp>
             <p:nvSpPr>
               <p:cNvPr id="3" name="テキスト ボックス 2">
@@ -4848,7 +4880,7 @@
                     <m:sSup>
                       <m:sSupPr>
                         <m:ctrlPr>
-                          <a:rPr kumimoji="1" lang="en-US" altLang="ja-JP" sz="800" smtClean="0">
+                          <a:rPr kumimoji="1" lang="en-US" altLang="ja-JP" sz="800" i="1" smtClean="0">
                             <a:latin typeface="Cambria Math" panose="02040503050406030204" pitchFamily="18" charset="0"/>
                             <a:ea typeface="Cambria Math" panose="02040503050406030204" pitchFamily="18" charset="0"/>
                           </a:rPr>
@@ -4896,7 +4928,7 @@
             </p:txBody>
           </p:sp>
         </mc:Choice>
-        <mc:Fallback>
+        <mc:Fallback xmlns="">
           <p:sp>
             <p:nvSpPr>
               <p:cNvPr id="3" name="テキスト ボックス 2">
@@ -4941,8 +4973,8 @@
           </p:sp>
         </mc:Fallback>
       </mc:AlternateContent>
-      <mc:AlternateContent xmlns:mc="http://schemas.openxmlformats.org/markup-compatibility/2006">
-        <mc:Choice xmlns:a14="http://schemas.microsoft.com/office/drawing/2010/main" Requires="a14">
+      <mc:AlternateContent xmlns:mc="http://schemas.openxmlformats.org/markup-compatibility/2006" xmlns:a14="http://schemas.microsoft.com/office/drawing/2010/main">
+        <mc:Choice Requires="a14">
           <p:sp>
             <p:nvSpPr>
               <p:cNvPr id="4" name="テキスト ボックス 3">
@@ -4990,7 +5022,7 @@
                     <m:sSup>
                       <m:sSupPr>
                         <m:ctrlPr>
-                          <a:rPr kumimoji="1" lang="en-US" altLang="ja-JP" sz="800" smtClean="0">
+                          <a:rPr kumimoji="1" lang="en-US" altLang="ja-JP" sz="800" i="1" smtClean="0">
                             <a:latin typeface="Cambria Math" panose="02040503050406030204" pitchFamily="18" charset="0"/>
                             <a:ea typeface="Cambria Math" panose="02040503050406030204" pitchFamily="18" charset="0"/>
                           </a:rPr>
@@ -5038,7 +5070,7 @@
             </p:txBody>
           </p:sp>
         </mc:Choice>
-        <mc:Fallback>
+        <mc:Fallback xmlns="">
           <p:sp>
             <p:nvSpPr>
               <p:cNvPr id="4" name="テキスト ボックス 3">

--- a/src/figures/inner_node.pptx
+++ b/src/figures/inner_node.pptx
@@ -197,7 +197,7 @@
           <a:p>
             <a:fld id="{C1C90ABE-C08A-444A-9B97-50985CA7357E}" type="datetimeFigureOut">
               <a:rPr kumimoji="1" lang="ja-JP" altLang="en-US" smtClean="0"/>
-              <a:t>2024/8/1</a:t>
+              <a:t>2024/8/2</a:t>
             </a:fld>
             <a:endParaRPr kumimoji="1" lang="ja-JP" altLang="en-US"/>
           </a:p>
@@ -3688,8 +3688,8 @@
           </p:graphicFrame>
         </mc:Fallback>
       </mc:AlternateContent>
-      <mc:AlternateContent xmlns:mc="http://schemas.openxmlformats.org/markup-compatibility/2006">
-        <mc:Choice xmlns:a14="http://schemas.microsoft.com/office/drawing/2010/main" Requires="a14">
+      <mc:AlternateContent xmlns:mc="http://schemas.openxmlformats.org/markup-compatibility/2006" xmlns:a14="http://schemas.microsoft.com/office/drawing/2010/main">
+        <mc:Choice Requires="a14">
           <p:graphicFrame>
             <p:nvGraphicFramePr>
               <p:cNvPr id="2" name="表 49">
@@ -4283,7 +4283,7 @@
             </a:graphic>
           </p:graphicFrame>
         </mc:Choice>
-        <mc:Fallback>
+        <mc:Fallback xmlns="">
           <p:graphicFrame>
             <p:nvGraphicFramePr>
               <p:cNvPr id="2" name="表 49">
@@ -5389,7 +5389,7 @@
         <p:spPr>
           <a:xfrm>
             <a:off x="2230244" y="681764"/>
-            <a:ext cx="683505" cy="117276"/>
+            <a:ext cx="784261" cy="245260"/>
           </a:xfrm>
           <a:prstGeom prst="rect">
             <a:avLst/>
@@ -5424,7 +5424,22 @@
               <a:rPr lang="en-US" altLang="ja-JP" sz="700" dirty="0"/>
               <a:t>pointer</a:t>
             </a:r>
-            <a:endParaRPr kumimoji="1" lang="en-US" altLang="ja-JP" sz="700" dirty="0"/>
+            <a:br>
+              <a:rPr lang="en-US" altLang="ja-JP" sz="700" dirty="0"/>
+            </a:br>
+            <a:r>
+              <a:rPr lang="ja-JP" altLang="en-US" sz="700" dirty="0"/>
+              <a:t>（＋フラグ</a:t>
+            </a:r>
+            <a:r>
+              <a:rPr lang="en-US" altLang="ja-JP" sz="700" dirty="0"/>
+              <a:t>bit</a:t>
+            </a:r>
+            <a:r>
+              <a:rPr lang="ja-JP" altLang="en-US" sz="700" dirty="0"/>
+              <a:t>）</a:t>
+            </a:r>
+            <a:endParaRPr lang="en-US" altLang="ja-JP" sz="700" dirty="0"/>
           </a:p>
         </p:txBody>
       </p:sp>
